--- a/Presentations/Session3-Functions&FlowControl.pptx
+++ b/Presentations/Session3-Functions&FlowControl.pptx
@@ -221,7 +221,7 @@
           <a:p>
             <a:fld id="{64AB1FA9-0455-4201-A5D6-B599DF29E8AE}" type="datetimeFigureOut">
               <a:rPr lang="en-IN" smtClean="0"/>
-              <a:t>11-04-2018</a:t>
+              <a:t>14-04-2018</a:t>
             </a:fld>
             <a:endParaRPr lang="en-IN"/>
           </a:p>
@@ -799,7 +799,7 @@
           <a:p>
             <a:fld id="{F270F6ED-6093-46EB-B1EA-0006F862B9FC}" type="datetimeFigureOut">
               <a:rPr lang="en-IN" smtClean="0"/>
-              <a:t>11-04-2018</a:t>
+              <a:t>14-04-2018</a:t>
             </a:fld>
             <a:endParaRPr lang="en-IN"/>
           </a:p>
@@ -1007,7 +1007,7 @@
           <a:p>
             <a:fld id="{F270F6ED-6093-46EB-B1EA-0006F862B9FC}" type="datetimeFigureOut">
               <a:rPr lang="en-IN" smtClean="0"/>
-              <a:t>11-04-2018</a:t>
+              <a:t>14-04-2018</a:t>
             </a:fld>
             <a:endParaRPr lang="en-IN"/>
           </a:p>
@@ -1263,7 +1263,7 @@
           <a:p>
             <a:fld id="{F270F6ED-6093-46EB-B1EA-0006F862B9FC}" type="datetimeFigureOut">
               <a:rPr lang="en-IN" smtClean="0"/>
-              <a:t>11-04-2018</a:t>
+              <a:t>14-04-2018</a:t>
             </a:fld>
             <a:endParaRPr lang="en-IN"/>
           </a:p>
@@ -1437,7 +1437,7 @@
           <a:p>
             <a:fld id="{F270F6ED-6093-46EB-B1EA-0006F862B9FC}" type="datetimeFigureOut">
               <a:rPr lang="en-IN" smtClean="0"/>
-              <a:t>11-04-2018</a:t>
+              <a:t>14-04-2018</a:t>
             </a:fld>
             <a:endParaRPr lang="en-IN"/>
           </a:p>
@@ -1780,7 +1780,7 @@
           <a:p>
             <a:fld id="{F270F6ED-6093-46EB-B1EA-0006F862B9FC}" type="datetimeFigureOut">
               <a:rPr lang="en-IN" smtClean="0"/>
-              <a:t>11-04-2018</a:t>
+              <a:t>14-04-2018</a:t>
             </a:fld>
             <a:endParaRPr lang="en-IN"/>
           </a:p>
@@ -2055,7 +2055,7 @@
           <a:p>
             <a:fld id="{F270F6ED-6093-46EB-B1EA-0006F862B9FC}" type="datetimeFigureOut">
               <a:rPr lang="en-IN" smtClean="0"/>
-              <a:t>11-04-2018</a:t>
+              <a:t>14-04-2018</a:t>
             </a:fld>
             <a:endParaRPr lang="en-IN"/>
           </a:p>
@@ -2434,7 +2434,7 @@
           <a:p>
             <a:fld id="{F270F6ED-6093-46EB-B1EA-0006F862B9FC}" type="datetimeFigureOut">
               <a:rPr lang="en-IN" smtClean="0"/>
-              <a:t>11-04-2018</a:t>
+              <a:t>14-04-2018</a:t>
             </a:fld>
             <a:endParaRPr lang="en-IN"/>
           </a:p>
@@ -2552,7 +2552,7 @@
           <a:p>
             <a:fld id="{F270F6ED-6093-46EB-B1EA-0006F862B9FC}" type="datetimeFigureOut">
               <a:rPr lang="en-IN" smtClean="0"/>
-              <a:t>11-04-2018</a:t>
+              <a:t>14-04-2018</a:t>
             </a:fld>
             <a:endParaRPr lang="en-IN"/>
           </a:p>
@@ -2723,7 +2723,7 @@
           <a:p>
             <a:fld id="{F270F6ED-6093-46EB-B1EA-0006F862B9FC}" type="datetimeFigureOut">
               <a:rPr lang="en-IN" smtClean="0"/>
-              <a:t>11-04-2018</a:t>
+              <a:t>14-04-2018</a:t>
             </a:fld>
             <a:endParaRPr lang="en-IN"/>
           </a:p>
@@ -3077,7 +3077,7 @@
           <a:p>
             <a:fld id="{F270F6ED-6093-46EB-B1EA-0006F862B9FC}" type="datetimeFigureOut">
               <a:rPr lang="en-IN" smtClean="0"/>
-              <a:t>11-04-2018</a:t>
+              <a:t>14-04-2018</a:t>
             </a:fld>
             <a:endParaRPr lang="en-IN"/>
           </a:p>
@@ -3459,7 +3459,7 @@
           <a:p>
             <a:fld id="{F270F6ED-6093-46EB-B1EA-0006F862B9FC}" type="datetimeFigureOut">
               <a:rPr lang="en-IN" smtClean="0"/>
-              <a:t>11-04-2018</a:t>
+              <a:t>14-04-2018</a:t>
             </a:fld>
             <a:endParaRPr lang="en-IN"/>
           </a:p>
@@ -3746,7 +3746,7 @@
           <a:p>
             <a:fld id="{F270F6ED-6093-46EB-B1EA-0006F862B9FC}" type="datetimeFigureOut">
               <a:rPr lang="en-IN" smtClean="0"/>
-              <a:t>11-04-2018</a:t>
+              <a:t>14-04-2018</a:t>
             </a:fld>
             <a:endParaRPr lang="en-IN"/>
           </a:p>
@@ -4317,11 +4317,7 @@
           <a:p>
             <a:r>
               <a:rPr lang="en-IN" sz="2000" dirty="0" smtClean="0"/>
-              <a:t>Session </a:t>
-            </a:r>
-            <a:r>
-              <a:rPr lang="en-IN" sz="2000" dirty="0" smtClean="0"/>
-              <a:t>3 –Functions and flow control</a:t>
+              <a:t>Session 3 –Functions and flow control</a:t>
             </a:r>
             <a:endParaRPr lang="en-IN" sz="2000" dirty="0"/>
           </a:p>
@@ -4776,36 +4772,9 @@
             </a:pPr>
             <a:r>
               <a:rPr lang="en-US" dirty="0" smtClean="0"/>
-              <a:t>C++ is a Object oriented and </a:t>
-            </a:r>
-            <a:r>
-              <a:rPr lang="en-US" b="1" dirty="0" smtClean="0"/>
-              <a:t>Compiled</a:t>
-            </a:r>
-            <a:r>
-              <a:rPr lang="en-US" dirty="0" smtClean="0"/>
-              <a:t> language with </a:t>
-            </a:r>
-            <a:r>
-              <a:rPr lang="en-US" b="1" dirty="0" smtClean="0"/>
-              <a:t>Static</a:t>
-            </a:r>
-            <a:r>
-              <a:rPr lang="en-US" dirty="0" smtClean="0"/>
-              <a:t> and </a:t>
-            </a:r>
-            <a:r>
-              <a:rPr lang="en-US" b="1" dirty="0"/>
-              <a:t>W</a:t>
-            </a:r>
-            <a:r>
-              <a:rPr lang="en-US" b="1" dirty="0" smtClean="0"/>
-              <a:t>eak</a:t>
-            </a:r>
-            <a:r>
-              <a:rPr lang="en-US" dirty="0" smtClean="0"/>
-              <a:t> typing. </a:t>
-            </a:r>
+              <a:t>“Run” &gt; “quiet”</a:t>
+            </a:r>
+            <a:endParaRPr lang="en-US" dirty="0" smtClean="0"/>
           </a:p>
           <a:p>
             <a:pPr marL="457200" indent="-457200">
@@ -4813,40 +4782,8 @@
               <a:buAutoNum type="arabicPeriod"/>
             </a:pPr>
             <a:r>
-              <a:rPr lang="en-US" dirty="0" err="1" smtClean="0"/>
-              <a:t>Clojure</a:t>
-            </a:r>
-            <a:r>
               <a:rPr lang="en-US" dirty="0" smtClean="0"/>
-              <a:t> is a Functional language with </a:t>
-            </a:r>
-            <a:r>
-              <a:rPr lang="en-US" b="1" dirty="0" smtClean="0"/>
-              <a:t>Dynamic</a:t>
-            </a:r>
-            <a:r>
-              <a:rPr lang="en-US" dirty="0" smtClean="0"/>
-              <a:t> and </a:t>
-            </a:r>
-            <a:r>
-              <a:rPr lang="en-US" b="1" dirty="0"/>
-              <a:t>S</a:t>
-            </a:r>
-            <a:r>
-              <a:rPr lang="en-US" b="1" dirty="0" smtClean="0"/>
-              <a:t>trongly</a:t>
-            </a:r>
-            <a:r>
-              <a:rPr lang="en-US" dirty="0" smtClean="0"/>
-              <a:t> typed. It is </a:t>
-            </a:r>
-            <a:r>
-              <a:rPr lang="en-US" b="1" dirty="0" smtClean="0"/>
-              <a:t>JIT</a:t>
-            </a:r>
-            <a:r>
-              <a:rPr lang="en-US" dirty="0" smtClean="0"/>
-              <a:t> Compiled.</a:t>
+              <a:t>What is the result when we try to access out of Index elements in array.</a:t>
             </a:r>
           </a:p>
           <a:p>
@@ -4856,7 +4793,7 @@
             </a:pPr>
             <a:r>
               <a:rPr lang="en-US" dirty="0" smtClean="0"/>
-              <a:t>What is a Data Type?</a:t>
+              <a:t>What is slicing.</a:t>
             </a:r>
           </a:p>
           <a:p>
@@ -4866,7 +4803,7 @@
             </a:pPr>
             <a:r>
               <a:rPr lang="en-US" dirty="0" smtClean="0"/>
-              <a:t>How to get the type of a variable?</a:t>
+              <a:t>What is Bang Method.</a:t>
             </a:r>
           </a:p>
           <a:p>
@@ -4876,7 +4813,7 @@
             </a:pPr>
             <a:r>
               <a:rPr lang="en-US" dirty="0" smtClean="0"/>
-              <a:t>How do you print to screen in Ruby?</a:t>
+              <a:t>Methods that can add and delete elements from Array.</a:t>
             </a:r>
           </a:p>
           <a:p>
@@ -4886,7 +4823,7 @@
             </a:pPr>
             <a:r>
               <a:rPr lang="en-US" dirty="0" smtClean="0"/>
-              <a:t>How does Combined comparison ( &lt;=&gt; ) operator works?</a:t>
+              <a:t>What are Methods/Functions for?</a:t>
             </a:r>
           </a:p>
           <a:p>
@@ -4895,10 +4832,20 @@
               <a:buAutoNum type="arabicPeriod"/>
             </a:pPr>
             <a:r>
+              <a:rPr lang="en-US" dirty="0"/>
+              <a:t>Difference between parameter and argument.</a:t>
+            </a:r>
+          </a:p>
+          <a:p>
+            <a:pPr marL="457200" indent="-457200">
+              <a:buFont typeface="+mj-lt"/>
+              <a:buAutoNum type="arabicPeriod"/>
+            </a:pPr>
+            <a:r>
               <a:rPr lang="en-US" dirty="0" smtClean="0"/>
-              <a:t>What is string Interpolation?</a:t>
-            </a:r>
-            <a:endParaRPr lang="en-US" dirty="0"/>
+              <a:t>What is Variable shadowing.</a:t>
+            </a:r>
+            <a:endParaRPr lang="en-US" dirty="0" smtClean="0"/>
           </a:p>
         </p:txBody>
       </p:sp>

--- a/Presentations/Session3-Functions&FlowControl.pptx
+++ b/Presentations/Session3-Functions&FlowControl.pptx
@@ -5,23 +5,24 @@
     <p:sldMasterId id="2147483725" r:id="rId1"/>
   </p:sldMasterIdLst>
   <p:notesMasterIdLst>
-    <p:notesMasterId r:id="rId16"/>
+    <p:notesMasterId r:id="rId17"/>
   </p:notesMasterIdLst>
   <p:sldIdLst>
     <p:sldId id="256" r:id="rId2"/>
     <p:sldId id="281" r:id="rId3"/>
     <p:sldId id="282" r:id="rId4"/>
-    <p:sldId id="283" r:id="rId5"/>
-    <p:sldId id="284" r:id="rId6"/>
-    <p:sldId id="285" r:id="rId7"/>
-    <p:sldId id="286" r:id="rId8"/>
-    <p:sldId id="287" r:id="rId9"/>
-    <p:sldId id="288" r:id="rId10"/>
-    <p:sldId id="289" r:id="rId11"/>
-    <p:sldId id="290" r:id="rId12"/>
-    <p:sldId id="291" r:id="rId13"/>
-    <p:sldId id="292" r:id="rId14"/>
-    <p:sldId id="274" r:id="rId15"/>
+    <p:sldId id="293" r:id="rId5"/>
+    <p:sldId id="283" r:id="rId6"/>
+    <p:sldId id="284" r:id="rId7"/>
+    <p:sldId id="285" r:id="rId8"/>
+    <p:sldId id="286" r:id="rId9"/>
+    <p:sldId id="287" r:id="rId10"/>
+    <p:sldId id="288" r:id="rId11"/>
+    <p:sldId id="289" r:id="rId12"/>
+    <p:sldId id="290" r:id="rId13"/>
+    <p:sldId id="291" r:id="rId14"/>
+    <p:sldId id="292" r:id="rId15"/>
+    <p:sldId id="274" r:id="rId16"/>
   </p:sldIdLst>
   <p:sldSz cx="12192000" cy="6858000"/>
   <p:notesSz cx="6858000" cy="9144000"/>
@@ -533,6 +534,14 @@
           <a:bodyPr/>
           <a:lstStyle/>
           <a:p>
+            <a:r>
+              <a:rPr lang="en-IN" dirty="0" smtClean="0"/>
+              <a:t>All the code we have written so far is subjected to any kind of logic.</a:t>
+            </a:r>
+            <a:r>
+              <a:rPr lang="en-IN" baseline="0" dirty="0" smtClean="0"/>
+              <a:t> The code executed no matter what.</a:t>
+            </a:r>
             <a:endParaRPr lang="en-IN" dirty="0"/>
           </a:p>
         </p:txBody>
@@ -554,7 +563,91 @@
           <a:p>
             <a:fld id="{A7DE893D-CE04-4AD8-B599-89F5B9665D5A}" type="slidenum">
               <a:rPr lang="en-IN" smtClean="0"/>
-              <a:t>14</a:t>
+              <a:t>3</a:t>
+            </a:fld>
+            <a:endParaRPr lang="en-IN"/>
+          </a:p>
+        </p:txBody>
+      </p:sp>
+    </p:spTree>
+    <p:extLst>
+      <p:ext uri="{BB962C8B-B14F-4D97-AF65-F5344CB8AC3E}">
+        <p14:creationId xmlns:p14="http://schemas.microsoft.com/office/powerpoint/2010/main" val="2860334904"/>
+      </p:ext>
+    </p:extLst>
+  </p:cSld>
+  <p:clrMapOvr>
+    <a:masterClrMapping/>
+  </p:clrMapOvr>
+</p:notes>
+</file>
+
+<file path=ppt/notesSlides/notesSlide2.xml><?xml version="1.0" encoding="utf-8"?>
+<p:notes xmlns:a="http://schemas.openxmlformats.org/drawingml/2006/main" xmlns:r="http://schemas.openxmlformats.org/officeDocument/2006/relationships" xmlns:p="http://schemas.openxmlformats.org/presentationml/2006/main">
+  <p:cSld>
+    <p:spTree>
+      <p:nvGrpSpPr>
+        <p:cNvPr id="1" name=""/>
+        <p:cNvGrpSpPr/>
+        <p:nvPr/>
+      </p:nvGrpSpPr>
+      <p:grpSpPr>
+        <a:xfrm>
+          <a:off x="0" y="0"/>
+          <a:ext cx="0" cy="0"/>
+          <a:chOff x="0" y="0"/>
+          <a:chExt cx="0" cy="0"/>
+        </a:xfrm>
+      </p:grpSpPr>
+      <p:sp>
+        <p:nvSpPr>
+          <p:cNvPr id="2" name="Slide Image Placeholder 1"/>
+          <p:cNvSpPr>
+            <a:spLocks noGrp="1" noRot="1" noChangeAspect="1"/>
+          </p:cNvSpPr>
+          <p:nvPr>
+            <p:ph type="sldImg"/>
+          </p:nvPr>
+        </p:nvSpPr>
+        <p:spPr/>
+      </p:sp>
+      <p:sp>
+        <p:nvSpPr>
+          <p:cNvPr id="3" name="Notes Placeholder 2"/>
+          <p:cNvSpPr>
+            <a:spLocks noGrp="1"/>
+          </p:cNvSpPr>
+          <p:nvPr>
+            <p:ph type="body" idx="1"/>
+          </p:nvPr>
+        </p:nvSpPr>
+        <p:spPr/>
+        <p:txBody>
+          <a:bodyPr/>
+          <a:lstStyle/>
+          <a:p>
+            <a:endParaRPr lang="en-IN" dirty="0"/>
+          </a:p>
+        </p:txBody>
+      </p:sp>
+      <p:sp>
+        <p:nvSpPr>
+          <p:cNvPr id="4" name="Slide Number Placeholder 3"/>
+          <p:cNvSpPr>
+            <a:spLocks noGrp="1"/>
+          </p:cNvSpPr>
+          <p:nvPr>
+            <p:ph type="sldNum" sz="quarter" idx="10"/>
+          </p:nvPr>
+        </p:nvSpPr>
+        <p:spPr/>
+        <p:txBody>
+          <a:bodyPr/>
+          <a:lstStyle/>
+          <a:p>
+            <a:fld id="{A7DE893D-CE04-4AD8-B599-89F5B9665D5A}" type="slidenum">
+              <a:rPr lang="en-IN" smtClean="0"/>
+              <a:t>15</a:t>
             </a:fld>
             <a:endParaRPr lang="en-IN"/>
           </a:p>
@@ -4376,8 +4469,8 @@
           <a:lstStyle/>
           <a:p>
             <a:r>
-              <a:rPr lang="en-IN" dirty="0" err="1" smtClean="0"/>
-              <a:t>Procs</a:t>
+              <a:rPr lang="en-IN" dirty="0" smtClean="0"/>
+              <a:t>Blocks</a:t>
             </a:r>
             <a:endParaRPr lang="en-IN" dirty="0"/>
           </a:p>
@@ -4405,7 +4498,7 @@
     </p:spTree>
     <p:extLst>
       <p:ext uri="{BB962C8B-B14F-4D97-AF65-F5344CB8AC3E}">
-        <p14:creationId xmlns:p14="http://schemas.microsoft.com/office/powerpoint/2010/main" val="2294760972"/>
+        <p14:creationId xmlns:p14="http://schemas.microsoft.com/office/powerpoint/2010/main" val="1241617536"/>
       </p:ext>
     </p:extLst>
   </p:cSld>
@@ -4448,8 +4541,8 @@
           <a:lstStyle/>
           <a:p>
             <a:r>
-              <a:rPr lang="en-IN" dirty="0" smtClean="0"/>
-              <a:t>Lambdas</a:t>
+              <a:rPr lang="en-IN" dirty="0" err="1" smtClean="0"/>
+              <a:t>Procs</a:t>
             </a:r>
             <a:endParaRPr lang="en-IN" dirty="0"/>
           </a:p>
@@ -4470,14 +4563,14 @@
           <a:bodyPr/>
           <a:lstStyle/>
           <a:p>
-            <a:endParaRPr lang="en-IN" dirty="0"/>
+            <a:endParaRPr lang="en-IN"/>
           </a:p>
         </p:txBody>
       </p:sp>
     </p:spTree>
     <p:extLst>
       <p:ext uri="{BB962C8B-B14F-4D97-AF65-F5344CB8AC3E}">
-        <p14:creationId xmlns:p14="http://schemas.microsoft.com/office/powerpoint/2010/main" val="3714374258"/>
+        <p14:creationId xmlns:p14="http://schemas.microsoft.com/office/powerpoint/2010/main" val="2294760972"/>
       </p:ext>
     </p:extLst>
   </p:cSld>
@@ -4521,7 +4614,7 @@
           <a:p>
             <a:r>
               <a:rPr lang="en-IN" dirty="0" smtClean="0"/>
-              <a:t>Advanced Array Methods</a:t>
+              <a:t>Lambdas</a:t>
             </a:r>
             <a:endParaRPr lang="en-IN" dirty="0"/>
           </a:p>
@@ -4549,7 +4642,7 @@
     </p:spTree>
     <p:extLst>
       <p:ext uri="{BB962C8B-B14F-4D97-AF65-F5344CB8AC3E}">
-        <p14:creationId xmlns:p14="http://schemas.microsoft.com/office/powerpoint/2010/main" val="4246388860"/>
+        <p14:creationId xmlns:p14="http://schemas.microsoft.com/office/powerpoint/2010/main" val="3714374258"/>
       </p:ext>
     </p:extLst>
   </p:cSld>
@@ -4593,6 +4686,78 @@
           <a:p>
             <a:r>
               <a:rPr lang="en-IN" dirty="0" smtClean="0"/>
+              <a:t>Advanced Array Methods</a:t>
+            </a:r>
+            <a:endParaRPr lang="en-IN" dirty="0"/>
+          </a:p>
+        </p:txBody>
+      </p:sp>
+      <p:sp>
+        <p:nvSpPr>
+          <p:cNvPr id="3" name="Content Placeholder 2"/>
+          <p:cNvSpPr>
+            <a:spLocks noGrp="1"/>
+          </p:cNvSpPr>
+          <p:nvPr>
+            <p:ph idx="1"/>
+          </p:nvPr>
+        </p:nvSpPr>
+        <p:spPr/>
+        <p:txBody>
+          <a:bodyPr/>
+          <a:lstStyle/>
+          <a:p>
+            <a:endParaRPr lang="en-IN" dirty="0"/>
+          </a:p>
+        </p:txBody>
+      </p:sp>
+    </p:spTree>
+    <p:extLst>
+      <p:ext uri="{BB962C8B-B14F-4D97-AF65-F5344CB8AC3E}">
+        <p14:creationId xmlns:p14="http://schemas.microsoft.com/office/powerpoint/2010/main" val="4246388860"/>
+      </p:ext>
+    </p:extLst>
+  </p:cSld>
+  <p:clrMapOvr>
+    <a:masterClrMapping/>
+  </p:clrMapOvr>
+</p:sld>
+</file>
+
+<file path=ppt/slides/slide14.xml><?xml version="1.0" encoding="utf-8"?>
+<p:sld xmlns:a="http://schemas.openxmlformats.org/drawingml/2006/main" xmlns:r="http://schemas.openxmlformats.org/officeDocument/2006/relationships" xmlns:p="http://schemas.openxmlformats.org/presentationml/2006/main">
+  <p:cSld>
+    <p:spTree>
+      <p:nvGrpSpPr>
+        <p:cNvPr id="1" name=""/>
+        <p:cNvGrpSpPr/>
+        <p:nvPr/>
+      </p:nvGrpSpPr>
+      <p:grpSpPr>
+        <a:xfrm>
+          <a:off x="0" y="0"/>
+          <a:ext cx="0" cy="0"/>
+          <a:chOff x="0" y="0"/>
+          <a:chExt cx="0" cy="0"/>
+        </a:xfrm>
+      </p:grpSpPr>
+      <p:sp>
+        <p:nvSpPr>
+          <p:cNvPr id="2" name="Title 1"/>
+          <p:cNvSpPr>
+            <a:spLocks noGrp="1"/>
+          </p:cNvSpPr>
+          <p:nvPr>
+            <p:ph type="title"/>
+          </p:nvPr>
+        </p:nvSpPr>
+        <p:spPr/>
+        <p:txBody>
+          <a:bodyPr/>
+          <a:lstStyle/>
+          <a:p>
+            <a:r>
+              <a:rPr lang="en-IN" dirty="0" smtClean="0"/>
               <a:t>Matrices</a:t>
             </a:r>
             <a:endParaRPr lang="en-IN" dirty="0"/>
@@ -4631,7 +4796,7 @@
 </p:sld>
 </file>
 
-<file path=ppt/slides/slide14.xml><?xml version="1.0" encoding="utf-8"?>
+<file path=ppt/slides/slide15.xml><?xml version="1.0" encoding="utf-8"?>
 <p:sld xmlns:a="http://schemas.openxmlformats.org/drawingml/2006/main" xmlns:r="http://schemas.openxmlformats.org/officeDocument/2006/relationships" xmlns:p="http://schemas.openxmlformats.org/presentationml/2006/main">
   <p:cSld>
     <p:spTree>
@@ -4924,6 +5089,66 @@
           <a:bodyPr/>
           <a:lstStyle/>
           <a:p>
+            <a:pPr>
+              <a:buFont typeface="Arial" panose="020B0604020202020204" pitchFamily="34" charset="0"/>
+              <a:buChar char="•"/>
+            </a:pPr>
+            <a:r>
+              <a:rPr lang="en-IN" dirty="0" smtClean="0"/>
+              <a:t> The Code we’ve seen so far executes no matter what.</a:t>
+            </a:r>
+          </a:p>
+          <a:p>
+            <a:pPr>
+              <a:buFont typeface="Arial" panose="020B0604020202020204" pitchFamily="34" charset="0"/>
+              <a:buChar char="•"/>
+            </a:pPr>
+            <a:r>
+              <a:rPr lang="en-IN" dirty="0" smtClean="0"/>
+              <a:t> Programming is about defining the paths that a program can take.</a:t>
+            </a:r>
+          </a:p>
+          <a:p>
+            <a:pPr>
+              <a:buFont typeface="Arial" panose="020B0604020202020204" pitchFamily="34" charset="0"/>
+              <a:buChar char="•"/>
+            </a:pPr>
+            <a:r>
+              <a:rPr lang="en-IN" dirty="0"/>
+              <a:t> </a:t>
+            </a:r>
+            <a:r>
+              <a:rPr lang="en-IN" dirty="0" smtClean="0"/>
+              <a:t>A condition is a statement that controls if a piece of code executes.</a:t>
+            </a:r>
+          </a:p>
+          <a:p>
+            <a:pPr>
+              <a:buFont typeface="Arial" panose="020B0604020202020204" pitchFamily="34" charset="0"/>
+              <a:buChar char="•"/>
+            </a:pPr>
+            <a:r>
+              <a:rPr lang="en-IN" dirty="0"/>
+              <a:t> </a:t>
+            </a:r>
+            <a:r>
+              <a:rPr lang="en-IN" dirty="0" smtClean="0"/>
+              <a:t>A condition evaluates to a Boolean: true or false.</a:t>
+            </a:r>
+          </a:p>
+          <a:p>
+            <a:pPr>
+              <a:buFont typeface="Arial" panose="020B0604020202020204" pitchFamily="34" charset="0"/>
+              <a:buChar char="•"/>
+            </a:pPr>
+            <a:r>
+              <a:rPr lang="en-IN" dirty="0"/>
+              <a:t> </a:t>
+            </a:r>
+            <a:r>
+              <a:rPr lang="en-IN" dirty="0" smtClean="0"/>
+              <a:t>If the condition is met, the code executes. Otherwise, it is skipped.</a:t>
+            </a:r>
             <a:endParaRPr lang="en-IN" dirty="0"/>
           </a:p>
         </p:txBody>
@@ -4974,8 +5199,12 @@
           <a:lstStyle/>
           <a:p>
             <a:r>
+              <a:rPr lang="en-IN" dirty="0"/>
+              <a:t>i</a:t>
+            </a:r>
+            <a:r>
               <a:rPr lang="en-IN" dirty="0" smtClean="0"/>
-              <a:t>Loops</a:t>
+              <a:t>f  Statement</a:t>
             </a:r>
             <a:endParaRPr lang="en-IN" dirty="0"/>
           </a:p>
@@ -4996,14 +5225,80 @@
           <a:bodyPr/>
           <a:lstStyle/>
           <a:p>
-            <a:endParaRPr lang="en-IN"/>
+            <a:pPr marL="201168" lvl="1" indent="0">
+              <a:buNone/>
+            </a:pPr>
+            <a:r>
+              <a:rPr lang="en-IN" sz="4000" i="1" dirty="0">
+                <a:solidFill>
+                  <a:srgbClr val="FF0000"/>
+                </a:solidFill>
+              </a:rPr>
+              <a:t>i</a:t>
+            </a:r>
+            <a:r>
+              <a:rPr lang="en-IN" sz="4000" i="1" dirty="0" smtClean="0">
+                <a:solidFill>
+                  <a:srgbClr val="FF0000"/>
+                </a:solidFill>
+              </a:rPr>
+              <a:t>f</a:t>
+            </a:r>
+            <a:r>
+              <a:rPr lang="en-IN" dirty="0" smtClean="0"/>
+              <a:t>    </a:t>
+            </a:r>
+            <a:r>
+              <a:rPr lang="en-IN" sz="2800" dirty="0" smtClean="0">
+                <a:solidFill>
+                  <a:srgbClr val="002060"/>
+                </a:solidFill>
+              </a:rPr>
+              <a:t>Condition</a:t>
+            </a:r>
+            <a:endParaRPr lang="en-IN" dirty="0" smtClean="0">
+              <a:solidFill>
+                <a:srgbClr val="002060"/>
+              </a:solidFill>
+            </a:endParaRPr>
+          </a:p>
+          <a:p>
+            <a:pPr marL="201168" lvl="1" indent="0">
+              <a:buNone/>
+            </a:pPr>
+            <a:r>
+              <a:rPr lang="en-IN" dirty="0"/>
+              <a:t>	</a:t>
+            </a:r>
+            <a:r>
+              <a:rPr lang="en-IN" dirty="0" smtClean="0"/>
+              <a:t># Code that will be executed if condition is met</a:t>
+            </a:r>
+          </a:p>
+          <a:p>
+            <a:pPr marL="201168" lvl="1" indent="0">
+              <a:buNone/>
+            </a:pPr>
+            <a:r>
+              <a:rPr lang="en-IN" sz="4000" i="1" dirty="0" smtClean="0">
+                <a:solidFill>
+                  <a:srgbClr val="FF0000"/>
+                </a:solidFill>
+              </a:rPr>
+              <a:t>end</a:t>
+            </a:r>
+            <a:r>
+              <a:rPr lang="en-IN" dirty="0" smtClean="0"/>
+              <a:t>	</a:t>
+            </a:r>
+            <a:endParaRPr lang="en-IN" dirty="0"/>
           </a:p>
         </p:txBody>
       </p:sp>
     </p:spTree>
     <p:extLst>
       <p:ext uri="{BB962C8B-B14F-4D97-AF65-F5344CB8AC3E}">
-        <p14:creationId xmlns:p14="http://schemas.microsoft.com/office/powerpoint/2010/main" val="2577244048"/>
+        <p14:creationId xmlns:p14="http://schemas.microsoft.com/office/powerpoint/2010/main" val="1470752648"/>
       </p:ext>
     </p:extLst>
   </p:cSld>
@@ -5047,7 +5342,7 @@
           <a:p>
             <a:r>
               <a:rPr lang="en-IN" dirty="0" smtClean="0"/>
-              <a:t>Ranges</a:t>
+              <a:t>Loops</a:t>
             </a:r>
             <a:endParaRPr lang="en-IN" dirty="0"/>
           </a:p>
@@ -5075,7 +5370,7 @@
     </p:spTree>
     <p:extLst>
       <p:ext uri="{BB962C8B-B14F-4D97-AF65-F5344CB8AC3E}">
-        <p14:creationId xmlns:p14="http://schemas.microsoft.com/office/powerpoint/2010/main" val="3803700743"/>
+        <p14:creationId xmlns:p14="http://schemas.microsoft.com/office/powerpoint/2010/main" val="2577244048"/>
       </p:ext>
     </p:extLst>
   </p:cSld>
@@ -5119,7 +5414,7 @@
           <a:p>
             <a:r>
               <a:rPr lang="en-IN" dirty="0" smtClean="0"/>
-              <a:t>Functions</a:t>
+              <a:t>Ranges</a:t>
             </a:r>
             <a:endParaRPr lang="en-IN" dirty="0"/>
           </a:p>
@@ -5140,29 +5435,14 @@
           <a:bodyPr/>
           <a:lstStyle/>
           <a:p>
-            <a:r>
-              <a:rPr lang="en-IN" dirty="0" smtClean="0"/>
-              <a:t>Default Arguments</a:t>
-            </a:r>
-          </a:p>
-          <a:p>
-            <a:r>
-              <a:rPr lang="en-IN" dirty="0" smtClean="0"/>
-              <a:t>Key Word Arguments</a:t>
-            </a:r>
-          </a:p>
-          <a:p>
-            <a:r>
-              <a:rPr lang="en-IN" dirty="0" smtClean="0"/>
-              <a:t>Variable Arguments</a:t>
-            </a:r>
+            <a:endParaRPr lang="en-IN"/>
           </a:p>
         </p:txBody>
       </p:sp>
     </p:spTree>
     <p:extLst>
       <p:ext uri="{BB962C8B-B14F-4D97-AF65-F5344CB8AC3E}">
-        <p14:creationId xmlns:p14="http://schemas.microsoft.com/office/powerpoint/2010/main" val="4287703720"/>
+        <p14:creationId xmlns:p14="http://schemas.microsoft.com/office/powerpoint/2010/main" val="3803700743"/>
       </p:ext>
     </p:extLst>
   </p:cSld>
@@ -5206,7 +5486,7 @@
           <a:p>
             <a:r>
               <a:rPr lang="en-IN" dirty="0" smtClean="0"/>
-              <a:t>Intermediate Array Methods</a:t>
+              <a:t>Functions</a:t>
             </a:r>
             <a:endParaRPr lang="en-IN" dirty="0"/>
           </a:p>
@@ -5227,14 +5507,29 @@
           <a:bodyPr/>
           <a:lstStyle/>
           <a:p>
-            <a:endParaRPr lang="en-IN" dirty="0"/>
+            <a:r>
+              <a:rPr lang="en-IN" dirty="0" smtClean="0"/>
+              <a:t>Default Arguments</a:t>
+            </a:r>
+          </a:p>
+          <a:p>
+            <a:r>
+              <a:rPr lang="en-IN" dirty="0" smtClean="0"/>
+              <a:t>Key Word Arguments</a:t>
+            </a:r>
+          </a:p>
+          <a:p>
+            <a:r>
+              <a:rPr lang="en-IN" dirty="0" smtClean="0"/>
+              <a:t>Variable Arguments</a:t>
+            </a:r>
           </a:p>
         </p:txBody>
       </p:sp>
     </p:spTree>
     <p:extLst>
       <p:ext uri="{BB962C8B-B14F-4D97-AF65-F5344CB8AC3E}">
-        <p14:creationId xmlns:p14="http://schemas.microsoft.com/office/powerpoint/2010/main" val="1741733317"/>
+        <p14:creationId xmlns:p14="http://schemas.microsoft.com/office/powerpoint/2010/main" val="4287703720"/>
       </p:ext>
     </p:extLst>
   </p:cSld>
@@ -5278,7 +5573,7 @@
           <a:p>
             <a:r>
               <a:rPr lang="en-IN" dirty="0" smtClean="0"/>
-              <a:t>Intermediate Strings Methods</a:t>
+              <a:t>Intermediate Array Methods</a:t>
             </a:r>
             <a:endParaRPr lang="en-IN" dirty="0"/>
           </a:p>
@@ -5299,14 +5594,14 @@
           <a:bodyPr/>
           <a:lstStyle/>
           <a:p>
-            <a:endParaRPr lang="en-IN"/>
+            <a:endParaRPr lang="en-IN" dirty="0"/>
           </a:p>
         </p:txBody>
       </p:sp>
     </p:spTree>
     <p:extLst>
       <p:ext uri="{BB962C8B-B14F-4D97-AF65-F5344CB8AC3E}">
-        <p14:creationId xmlns:p14="http://schemas.microsoft.com/office/powerpoint/2010/main" val="3824207034"/>
+        <p14:creationId xmlns:p14="http://schemas.microsoft.com/office/powerpoint/2010/main" val="1741733317"/>
       </p:ext>
     </p:extLst>
   </p:cSld>
@@ -5350,7 +5645,7 @@
           <a:p>
             <a:r>
               <a:rPr lang="en-IN" dirty="0" smtClean="0"/>
-              <a:t>Blocks</a:t>
+              <a:t>Intermediate Strings Methods</a:t>
             </a:r>
             <a:endParaRPr lang="en-IN" dirty="0"/>
           </a:p>
@@ -5378,7 +5673,7 @@
     </p:spTree>
     <p:extLst>
       <p:ext uri="{BB962C8B-B14F-4D97-AF65-F5344CB8AC3E}">
-        <p14:creationId xmlns:p14="http://schemas.microsoft.com/office/powerpoint/2010/main" val="1241617536"/>
+        <p14:creationId xmlns:p14="http://schemas.microsoft.com/office/powerpoint/2010/main" val="3824207034"/>
       </p:ext>
     </p:extLst>
   </p:cSld>

--- a/Presentations/Session3-Functions&FlowControl.pptx
+++ b/Presentations/Session3-Functions&FlowControl.pptx
@@ -222,7 +222,7 @@
           <a:p>
             <a:fld id="{64AB1FA9-0455-4201-A5D6-B599DF29E8AE}" type="datetimeFigureOut">
               <a:rPr lang="en-IN" smtClean="0"/>
-              <a:t>14-04-2018</a:t>
+              <a:t>15-04-2018</a:t>
             </a:fld>
             <a:endParaRPr lang="en-IN"/>
           </a:p>
@@ -892,7 +892,7 @@
           <a:p>
             <a:fld id="{F270F6ED-6093-46EB-B1EA-0006F862B9FC}" type="datetimeFigureOut">
               <a:rPr lang="en-IN" smtClean="0"/>
-              <a:t>14-04-2018</a:t>
+              <a:t>15-04-2018</a:t>
             </a:fld>
             <a:endParaRPr lang="en-IN"/>
           </a:p>
@@ -1100,7 +1100,7 @@
           <a:p>
             <a:fld id="{F270F6ED-6093-46EB-B1EA-0006F862B9FC}" type="datetimeFigureOut">
               <a:rPr lang="en-IN" smtClean="0"/>
-              <a:t>14-04-2018</a:t>
+              <a:t>15-04-2018</a:t>
             </a:fld>
             <a:endParaRPr lang="en-IN"/>
           </a:p>
@@ -1356,7 +1356,7 @@
           <a:p>
             <a:fld id="{F270F6ED-6093-46EB-B1EA-0006F862B9FC}" type="datetimeFigureOut">
               <a:rPr lang="en-IN" smtClean="0"/>
-              <a:t>14-04-2018</a:t>
+              <a:t>15-04-2018</a:t>
             </a:fld>
             <a:endParaRPr lang="en-IN"/>
           </a:p>
@@ -1530,7 +1530,7 @@
           <a:p>
             <a:fld id="{F270F6ED-6093-46EB-B1EA-0006F862B9FC}" type="datetimeFigureOut">
               <a:rPr lang="en-IN" smtClean="0"/>
-              <a:t>14-04-2018</a:t>
+              <a:t>15-04-2018</a:t>
             </a:fld>
             <a:endParaRPr lang="en-IN"/>
           </a:p>
@@ -1873,7 +1873,7 @@
           <a:p>
             <a:fld id="{F270F6ED-6093-46EB-B1EA-0006F862B9FC}" type="datetimeFigureOut">
               <a:rPr lang="en-IN" smtClean="0"/>
-              <a:t>14-04-2018</a:t>
+              <a:t>15-04-2018</a:t>
             </a:fld>
             <a:endParaRPr lang="en-IN"/>
           </a:p>
@@ -2148,7 +2148,7 @@
           <a:p>
             <a:fld id="{F270F6ED-6093-46EB-B1EA-0006F862B9FC}" type="datetimeFigureOut">
               <a:rPr lang="en-IN" smtClean="0"/>
-              <a:t>14-04-2018</a:t>
+              <a:t>15-04-2018</a:t>
             </a:fld>
             <a:endParaRPr lang="en-IN"/>
           </a:p>
@@ -2527,7 +2527,7 @@
           <a:p>
             <a:fld id="{F270F6ED-6093-46EB-B1EA-0006F862B9FC}" type="datetimeFigureOut">
               <a:rPr lang="en-IN" smtClean="0"/>
-              <a:t>14-04-2018</a:t>
+              <a:t>15-04-2018</a:t>
             </a:fld>
             <a:endParaRPr lang="en-IN"/>
           </a:p>
@@ -2645,7 +2645,7 @@
           <a:p>
             <a:fld id="{F270F6ED-6093-46EB-B1EA-0006F862B9FC}" type="datetimeFigureOut">
               <a:rPr lang="en-IN" smtClean="0"/>
-              <a:t>14-04-2018</a:t>
+              <a:t>15-04-2018</a:t>
             </a:fld>
             <a:endParaRPr lang="en-IN"/>
           </a:p>
@@ -2816,7 +2816,7 @@
           <a:p>
             <a:fld id="{F270F6ED-6093-46EB-B1EA-0006F862B9FC}" type="datetimeFigureOut">
               <a:rPr lang="en-IN" smtClean="0"/>
-              <a:t>14-04-2018</a:t>
+              <a:t>15-04-2018</a:t>
             </a:fld>
             <a:endParaRPr lang="en-IN"/>
           </a:p>
@@ -3170,7 +3170,7 @@
           <a:p>
             <a:fld id="{F270F6ED-6093-46EB-B1EA-0006F862B9FC}" type="datetimeFigureOut">
               <a:rPr lang="en-IN" smtClean="0"/>
-              <a:t>14-04-2018</a:t>
+              <a:t>15-04-2018</a:t>
             </a:fld>
             <a:endParaRPr lang="en-IN"/>
           </a:p>
@@ -3552,7 +3552,7 @@
           <a:p>
             <a:fld id="{F270F6ED-6093-46EB-B1EA-0006F862B9FC}" type="datetimeFigureOut">
               <a:rPr lang="en-IN" smtClean="0"/>
-              <a:t>14-04-2018</a:t>
+              <a:t>15-04-2018</a:t>
             </a:fld>
             <a:endParaRPr lang="en-IN"/>
           </a:p>
@@ -3839,7 +3839,7 @@
           <a:p>
             <a:fld id="{F270F6ED-6093-46EB-B1EA-0006F862B9FC}" type="datetimeFigureOut">
               <a:rPr lang="en-IN" smtClean="0"/>
-              <a:t>14-04-2018</a:t>
+              <a:t>15-04-2018</a:t>
             </a:fld>
             <a:endParaRPr lang="en-IN"/>
           </a:p>
@@ -4939,7 +4939,6 @@
               <a:rPr lang="en-US" dirty="0" smtClean="0"/>
               <a:t>“Run” &gt; “quiet”</a:t>
             </a:r>
-            <a:endParaRPr lang="en-US" dirty="0" smtClean="0"/>
           </a:p>
           <a:p>
             <a:pPr marL="457200" indent="-457200">
@@ -5010,7 +5009,6 @@
               <a:rPr lang="en-US" dirty="0" smtClean="0"/>
               <a:t>What is Variable shadowing.</a:t>
             </a:r>
-            <a:endParaRPr lang="en-US" dirty="0" smtClean="0"/>
           </a:p>
         </p:txBody>
       </p:sp>

--- a/Presentations/Session3-Functions&FlowControl.pptx
+++ b/Presentations/Session3-Functions&FlowControl.pptx
@@ -12,8 +12,8 @@
     <p:sldId id="281" r:id="rId3"/>
     <p:sldId id="282" r:id="rId4"/>
     <p:sldId id="293" r:id="rId5"/>
-    <p:sldId id="283" r:id="rId6"/>
-    <p:sldId id="284" r:id="rId7"/>
+    <p:sldId id="284" r:id="rId6"/>
+    <p:sldId id="283" r:id="rId7"/>
     <p:sldId id="285" r:id="rId8"/>
     <p:sldId id="286" r:id="rId9"/>
     <p:sldId id="287" r:id="rId10"/>
@@ -5340,7 +5340,7 @@
           <a:p>
             <a:r>
               <a:rPr lang="en-IN" dirty="0" smtClean="0"/>
-              <a:t>Loops</a:t>
+              <a:t>Ranges</a:t>
             </a:r>
             <a:endParaRPr lang="en-IN" dirty="0"/>
           </a:p>
@@ -5368,7 +5368,7 @@
     </p:spTree>
     <p:extLst>
       <p:ext uri="{BB962C8B-B14F-4D97-AF65-F5344CB8AC3E}">
-        <p14:creationId xmlns:p14="http://schemas.microsoft.com/office/powerpoint/2010/main" val="2577244048"/>
+        <p14:creationId xmlns:p14="http://schemas.microsoft.com/office/powerpoint/2010/main" val="3803700743"/>
       </p:ext>
     </p:extLst>
   </p:cSld>
@@ -5412,7 +5412,7 @@
           <a:p>
             <a:r>
               <a:rPr lang="en-IN" dirty="0" smtClean="0"/>
-              <a:t>Ranges</a:t>
+              <a:t>Loops</a:t>
             </a:r>
             <a:endParaRPr lang="en-IN" dirty="0"/>
           </a:p>
@@ -5440,7 +5440,7 @@
     </p:spTree>
     <p:extLst>
       <p:ext uri="{BB962C8B-B14F-4D97-AF65-F5344CB8AC3E}">
-        <p14:creationId xmlns:p14="http://schemas.microsoft.com/office/powerpoint/2010/main" val="3803700743"/>
+        <p14:creationId xmlns:p14="http://schemas.microsoft.com/office/powerpoint/2010/main" val="2577244048"/>
       </p:ext>
     </p:extLst>
   </p:cSld>

--- a/Presentations/Session3-Functions&FlowControl.pptx
+++ b/Presentations/Session3-Functions&FlowControl.pptx
@@ -5,7 +5,7 @@
     <p:sldMasterId id="2147483725" r:id="rId1"/>
   </p:sldMasterIdLst>
   <p:notesMasterIdLst>
-    <p:notesMasterId r:id="rId17"/>
+    <p:notesMasterId r:id="rId14"/>
   </p:notesMasterIdLst>
   <p:sldIdLst>
     <p:sldId id="256" r:id="rId2"/>
@@ -14,15 +14,12 @@
     <p:sldId id="293" r:id="rId5"/>
     <p:sldId id="284" r:id="rId6"/>
     <p:sldId id="283" r:id="rId7"/>
-    <p:sldId id="285" r:id="rId8"/>
-    <p:sldId id="286" r:id="rId9"/>
-    <p:sldId id="287" r:id="rId10"/>
-    <p:sldId id="288" r:id="rId11"/>
-    <p:sldId id="289" r:id="rId12"/>
-    <p:sldId id="290" r:id="rId13"/>
-    <p:sldId id="291" r:id="rId14"/>
-    <p:sldId id="292" r:id="rId15"/>
-    <p:sldId id="274" r:id="rId16"/>
+    <p:sldId id="288" r:id="rId8"/>
+    <p:sldId id="289" r:id="rId9"/>
+    <p:sldId id="290" r:id="rId10"/>
+    <p:sldId id="291" r:id="rId11"/>
+    <p:sldId id="292" r:id="rId12"/>
+    <p:sldId id="274" r:id="rId13"/>
   </p:sldIdLst>
   <p:sldSz cx="12192000" cy="6858000"/>
   <p:notesSz cx="6858000" cy="9144000"/>
@@ -647,7 +644,7 @@
           <a:p>
             <a:fld id="{A7DE893D-CE04-4AD8-B599-89F5B9665D5A}" type="slidenum">
               <a:rPr lang="en-IN" smtClean="0"/>
-              <a:t>15</a:t>
+              <a:t>12</a:t>
             </a:fld>
             <a:endParaRPr lang="en-IN"/>
           </a:p>
@@ -4470,7 +4467,7 @@
           <a:p>
             <a:r>
               <a:rPr lang="en-IN" dirty="0" smtClean="0"/>
-              <a:t>Blocks</a:t>
+              <a:t>Advanced Array Methods</a:t>
             </a:r>
             <a:endParaRPr lang="en-IN" dirty="0"/>
           </a:p>
@@ -4491,14 +4488,14 @@
           <a:bodyPr/>
           <a:lstStyle/>
           <a:p>
-            <a:endParaRPr lang="en-IN"/>
+            <a:endParaRPr lang="en-IN" dirty="0"/>
           </a:p>
         </p:txBody>
       </p:sp>
     </p:spTree>
     <p:extLst>
       <p:ext uri="{BB962C8B-B14F-4D97-AF65-F5344CB8AC3E}">
-        <p14:creationId xmlns:p14="http://schemas.microsoft.com/office/powerpoint/2010/main" val="1241617536"/>
+        <p14:creationId xmlns:p14="http://schemas.microsoft.com/office/powerpoint/2010/main" val="4246388860"/>
       </p:ext>
     </p:extLst>
   </p:cSld>
@@ -4541,222 +4538,6 @@
           <a:lstStyle/>
           <a:p>
             <a:r>
-              <a:rPr lang="en-IN" dirty="0" err="1" smtClean="0"/>
-              <a:t>Procs</a:t>
-            </a:r>
-            <a:endParaRPr lang="en-IN" dirty="0"/>
-          </a:p>
-        </p:txBody>
-      </p:sp>
-      <p:sp>
-        <p:nvSpPr>
-          <p:cNvPr id="3" name="Content Placeholder 2"/>
-          <p:cNvSpPr>
-            <a:spLocks noGrp="1"/>
-          </p:cNvSpPr>
-          <p:nvPr>
-            <p:ph idx="1"/>
-          </p:nvPr>
-        </p:nvSpPr>
-        <p:spPr/>
-        <p:txBody>
-          <a:bodyPr/>
-          <a:lstStyle/>
-          <a:p>
-            <a:endParaRPr lang="en-IN"/>
-          </a:p>
-        </p:txBody>
-      </p:sp>
-    </p:spTree>
-    <p:extLst>
-      <p:ext uri="{BB962C8B-B14F-4D97-AF65-F5344CB8AC3E}">
-        <p14:creationId xmlns:p14="http://schemas.microsoft.com/office/powerpoint/2010/main" val="2294760972"/>
-      </p:ext>
-    </p:extLst>
-  </p:cSld>
-  <p:clrMapOvr>
-    <a:masterClrMapping/>
-  </p:clrMapOvr>
-</p:sld>
-</file>
-
-<file path=ppt/slides/slide12.xml><?xml version="1.0" encoding="utf-8"?>
-<p:sld xmlns:a="http://schemas.openxmlformats.org/drawingml/2006/main" xmlns:r="http://schemas.openxmlformats.org/officeDocument/2006/relationships" xmlns:p="http://schemas.openxmlformats.org/presentationml/2006/main">
-  <p:cSld>
-    <p:spTree>
-      <p:nvGrpSpPr>
-        <p:cNvPr id="1" name=""/>
-        <p:cNvGrpSpPr/>
-        <p:nvPr/>
-      </p:nvGrpSpPr>
-      <p:grpSpPr>
-        <a:xfrm>
-          <a:off x="0" y="0"/>
-          <a:ext cx="0" cy="0"/>
-          <a:chOff x="0" y="0"/>
-          <a:chExt cx="0" cy="0"/>
-        </a:xfrm>
-      </p:grpSpPr>
-      <p:sp>
-        <p:nvSpPr>
-          <p:cNvPr id="2" name="Title 1"/>
-          <p:cNvSpPr>
-            <a:spLocks noGrp="1"/>
-          </p:cNvSpPr>
-          <p:nvPr>
-            <p:ph type="title"/>
-          </p:nvPr>
-        </p:nvSpPr>
-        <p:spPr/>
-        <p:txBody>
-          <a:bodyPr/>
-          <a:lstStyle/>
-          <a:p>
-            <a:r>
-              <a:rPr lang="en-IN" dirty="0" smtClean="0"/>
-              <a:t>Lambdas</a:t>
-            </a:r>
-            <a:endParaRPr lang="en-IN" dirty="0"/>
-          </a:p>
-        </p:txBody>
-      </p:sp>
-      <p:sp>
-        <p:nvSpPr>
-          <p:cNvPr id="3" name="Content Placeholder 2"/>
-          <p:cNvSpPr>
-            <a:spLocks noGrp="1"/>
-          </p:cNvSpPr>
-          <p:nvPr>
-            <p:ph idx="1"/>
-          </p:nvPr>
-        </p:nvSpPr>
-        <p:spPr/>
-        <p:txBody>
-          <a:bodyPr/>
-          <a:lstStyle/>
-          <a:p>
-            <a:endParaRPr lang="en-IN" dirty="0"/>
-          </a:p>
-        </p:txBody>
-      </p:sp>
-    </p:spTree>
-    <p:extLst>
-      <p:ext uri="{BB962C8B-B14F-4D97-AF65-F5344CB8AC3E}">
-        <p14:creationId xmlns:p14="http://schemas.microsoft.com/office/powerpoint/2010/main" val="3714374258"/>
-      </p:ext>
-    </p:extLst>
-  </p:cSld>
-  <p:clrMapOvr>
-    <a:masterClrMapping/>
-  </p:clrMapOvr>
-</p:sld>
-</file>
-
-<file path=ppt/slides/slide13.xml><?xml version="1.0" encoding="utf-8"?>
-<p:sld xmlns:a="http://schemas.openxmlformats.org/drawingml/2006/main" xmlns:r="http://schemas.openxmlformats.org/officeDocument/2006/relationships" xmlns:p="http://schemas.openxmlformats.org/presentationml/2006/main">
-  <p:cSld>
-    <p:spTree>
-      <p:nvGrpSpPr>
-        <p:cNvPr id="1" name=""/>
-        <p:cNvGrpSpPr/>
-        <p:nvPr/>
-      </p:nvGrpSpPr>
-      <p:grpSpPr>
-        <a:xfrm>
-          <a:off x="0" y="0"/>
-          <a:ext cx="0" cy="0"/>
-          <a:chOff x="0" y="0"/>
-          <a:chExt cx="0" cy="0"/>
-        </a:xfrm>
-      </p:grpSpPr>
-      <p:sp>
-        <p:nvSpPr>
-          <p:cNvPr id="2" name="Title 1"/>
-          <p:cNvSpPr>
-            <a:spLocks noGrp="1"/>
-          </p:cNvSpPr>
-          <p:nvPr>
-            <p:ph type="title"/>
-          </p:nvPr>
-        </p:nvSpPr>
-        <p:spPr/>
-        <p:txBody>
-          <a:bodyPr/>
-          <a:lstStyle/>
-          <a:p>
-            <a:r>
-              <a:rPr lang="en-IN" dirty="0" smtClean="0"/>
-              <a:t>Advanced Array Methods</a:t>
-            </a:r>
-            <a:endParaRPr lang="en-IN" dirty="0"/>
-          </a:p>
-        </p:txBody>
-      </p:sp>
-      <p:sp>
-        <p:nvSpPr>
-          <p:cNvPr id="3" name="Content Placeholder 2"/>
-          <p:cNvSpPr>
-            <a:spLocks noGrp="1"/>
-          </p:cNvSpPr>
-          <p:nvPr>
-            <p:ph idx="1"/>
-          </p:nvPr>
-        </p:nvSpPr>
-        <p:spPr/>
-        <p:txBody>
-          <a:bodyPr/>
-          <a:lstStyle/>
-          <a:p>
-            <a:endParaRPr lang="en-IN" dirty="0"/>
-          </a:p>
-        </p:txBody>
-      </p:sp>
-    </p:spTree>
-    <p:extLst>
-      <p:ext uri="{BB962C8B-B14F-4D97-AF65-F5344CB8AC3E}">
-        <p14:creationId xmlns:p14="http://schemas.microsoft.com/office/powerpoint/2010/main" val="4246388860"/>
-      </p:ext>
-    </p:extLst>
-  </p:cSld>
-  <p:clrMapOvr>
-    <a:masterClrMapping/>
-  </p:clrMapOvr>
-</p:sld>
-</file>
-
-<file path=ppt/slides/slide14.xml><?xml version="1.0" encoding="utf-8"?>
-<p:sld xmlns:a="http://schemas.openxmlformats.org/drawingml/2006/main" xmlns:r="http://schemas.openxmlformats.org/officeDocument/2006/relationships" xmlns:p="http://schemas.openxmlformats.org/presentationml/2006/main">
-  <p:cSld>
-    <p:spTree>
-      <p:nvGrpSpPr>
-        <p:cNvPr id="1" name=""/>
-        <p:cNvGrpSpPr/>
-        <p:nvPr/>
-      </p:nvGrpSpPr>
-      <p:grpSpPr>
-        <a:xfrm>
-          <a:off x="0" y="0"/>
-          <a:ext cx="0" cy="0"/>
-          <a:chOff x="0" y="0"/>
-          <a:chExt cx="0" cy="0"/>
-        </a:xfrm>
-      </p:grpSpPr>
-      <p:sp>
-        <p:nvSpPr>
-          <p:cNvPr id="2" name="Title 1"/>
-          <p:cNvSpPr>
-            <a:spLocks noGrp="1"/>
-          </p:cNvSpPr>
-          <p:nvPr>
-            <p:ph type="title"/>
-          </p:nvPr>
-        </p:nvSpPr>
-        <p:spPr/>
-        <p:txBody>
-          <a:bodyPr/>
-          <a:lstStyle/>
-          <a:p>
-            <a:r>
               <a:rPr lang="en-IN" dirty="0" smtClean="0"/>
               <a:t>Matrices</a:t>
             </a:r>
@@ -4796,7 +4577,7 @@
 </p:sld>
 </file>
 
-<file path=ppt/slides/slide15.xml><?xml version="1.0" encoding="utf-8"?>
+<file path=ppt/slides/slide12.xml><?xml version="1.0" encoding="utf-8"?>
 <p:sld xmlns:a="http://schemas.openxmlformats.org/drawingml/2006/main" xmlns:r="http://schemas.openxmlformats.org/officeDocument/2006/relationships" xmlns:p="http://schemas.openxmlformats.org/presentationml/2006/main">
   <p:cSld>
     <p:spTree>
@@ -5484,7 +5265,7 @@
           <a:p>
             <a:r>
               <a:rPr lang="en-IN" dirty="0" smtClean="0"/>
-              <a:t>Functions</a:t>
+              <a:t>Blocks</a:t>
             </a:r>
             <a:endParaRPr lang="en-IN" dirty="0"/>
           </a:p>
@@ -5502,32 +5283,105 @@
         </p:nvSpPr>
         <p:spPr/>
         <p:txBody>
-          <a:bodyPr/>
-          <a:lstStyle/>
-          <a:p>
-            <a:r>
-              <a:rPr lang="en-IN" dirty="0" smtClean="0"/>
-              <a:t>Default Arguments</a:t>
-            </a:r>
-          </a:p>
-          <a:p>
-            <a:r>
-              <a:rPr lang="en-IN" dirty="0" smtClean="0"/>
-              <a:t>Key Word Arguments</a:t>
-            </a:r>
-          </a:p>
-          <a:p>
-            <a:r>
-              <a:rPr lang="en-IN" dirty="0" smtClean="0"/>
-              <a:t>Variable Arguments</a:t>
-            </a:r>
+          <a:bodyPr>
+            <a:normAutofit/>
+          </a:bodyPr>
+          <a:lstStyle/>
+          <a:p>
+            <a:pPr lvl="1"/>
+            <a:r>
+              <a:rPr lang="en-IN" sz="2400" dirty="0" smtClean="0"/>
+              <a:t>Collection of code to be executed.</a:t>
+            </a:r>
+          </a:p>
+          <a:p>
+            <a:pPr lvl="1"/>
+            <a:r>
+              <a:rPr lang="en-IN" sz="2400" dirty="0" smtClean="0"/>
+              <a:t>Blocks must be attached to a method call.</a:t>
+            </a:r>
+          </a:p>
+          <a:p>
+            <a:pPr lvl="1"/>
+            <a:r>
+              <a:rPr lang="en-IN" sz="2400" dirty="0" smtClean="0"/>
+              <a:t>Blocks alter the execution of the method.</a:t>
+            </a:r>
+          </a:p>
+          <a:p>
+            <a:pPr lvl="1"/>
+            <a:r>
+              <a:rPr lang="en-IN" sz="2400" dirty="0"/>
+              <a:t> </a:t>
+            </a:r>
+            <a:r>
+              <a:rPr lang="en-IN" sz="2400" dirty="0" smtClean="0"/>
+              <a:t>A block is not an argument / parameter to the method.</a:t>
+            </a:r>
+          </a:p>
+          <a:p>
+            <a:pPr lvl="1"/>
+            <a:r>
+              <a:rPr lang="en-IN" sz="2400" dirty="0" smtClean="0"/>
+              <a:t>Blocks can be defined with </a:t>
+            </a:r>
+            <a:r>
+              <a:rPr lang="en-IN" sz="2400" dirty="0" smtClean="0">
+                <a:solidFill>
+                  <a:srgbClr val="FF0000"/>
+                </a:solidFill>
+              </a:rPr>
+              <a:t>{</a:t>
+            </a:r>
+            <a:r>
+              <a:rPr lang="en-IN" sz="2400" dirty="0" smtClean="0"/>
+              <a:t> # Single line blocks </a:t>
+            </a:r>
+            <a:r>
+              <a:rPr lang="en-IN" sz="2400" dirty="0" smtClean="0">
+                <a:solidFill>
+                  <a:srgbClr val="FF0000"/>
+                </a:solidFill>
+              </a:rPr>
+              <a:t>}</a:t>
+            </a:r>
+            <a:r>
+              <a:rPr lang="en-IN" sz="2400" dirty="0" smtClean="0"/>
+              <a:t> or </a:t>
+            </a:r>
+            <a:r>
+              <a:rPr lang="en-IN" sz="2400" i="1" dirty="0" smtClean="0">
+                <a:solidFill>
+                  <a:srgbClr val="FF0000"/>
+                </a:solidFill>
+              </a:rPr>
+              <a:t>do</a:t>
+            </a:r>
+            <a:r>
+              <a:rPr lang="en-IN" sz="2400" i="1" dirty="0" smtClean="0"/>
+              <a:t>   </a:t>
+            </a:r>
+            <a:r>
+              <a:rPr lang="en-IN" sz="2400" i="1" dirty="0" smtClean="0">
+                <a:solidFill>
+                  <a:srgbClr val="FF0000"/>
+                </a:solidFill>
+              </a:rPr>
+              <a:t>end</a:t>
+            </a:r>
+          </a:p>
+          <a:p>
+            <a:pPr marL="201168" lvl="1" indent="0">
+              <a:buNone/>
+            </a:pPr>
+            <a:endParaRPr lang="en-IN" sz="2400" dirty="0"/>
           </a:p>
         </p:txBody>
       </p:sp>
     </p:spTree>
     <p:extLst>
       <p:ext uri="{BB962C8B-B14F-4D97-AF65-F5344CB8AC3E}">
-        <p14:creationId xmlns:p14="http://schemas.microsoft.com/office/powerpoint/2010/main" val="4287703720"/>
+        <p14:creationId xmlns:p14="http://schemas.microsoft.com/office/powerpoint/2010/main" val="1241617536"/>
       </p:ext>
     </p:extLst>
   </p:cSld>
@@ -5570,8 +5424,8 @@
           <a:lstStyle/>
           <a:p>
             <a:r>
-              <a:rPr lang="en-IN" dirty="0" smtClean="0"/>
-              <a:t>Intermediate Array Methods</a:t>
+              <a:rPr lang="en-IN" dirty="0" err="1" smtClean="0"/>
+              <a:t>Procs</a:t>
             </a:r>
             <a:endParaRPr lang="en-IN" dirty="0"/>
           </a:p>
@@ -5592,14 +5446,14 @@
           <a:bodyPr/>
           <a:lstStyle/>
           <a:p>
-            <a:endParaRPr lang="en-IN" dirty="0"/>
+            <a:endParaRPr lang="en-IN"/>
           </a:p>
         </p:txBody>
       </p:sp>
     </p:spTree>
     <p:extLst>
       <p:ext uri="{BB962C8B-B14F-4D97-AF65-F5344CB8AC3E}">
-        <p14:creationId xmlns:p14="http://schemas.microsoft.com/office/powerpoint/2010/main" val="1741733317"/>
+        <p14:creationId xmlns:p14="http://schemas.microsoft.com/office/powerpoint/2010/main" val="2294760972"/>
       </p:ext>
     </p:extLst>
   </p:cSld>
@@ -5643,7 +5497,7 @@
           <a:p>
             <a:r>
               <a:rPr lang="en-IN" dirty="0" smtClean="0"/>
-              <a:t>Intermediate Strings Methods</a:t>
+              <a:t>Lambdas</a:t>
             </a:r>
             <a:endParaRPr lang="en-IN" dirty="0"/>
           </a:p>
@@ -5664,14 +5518,14 @@
           <a:bodyPr/>
           <a:lstStyle/>
           <a:p>
-            <a:endParaRPr lang="en-IN"/>
+            <a:endParaRPr lang="en-IN" dirty="0"/>
           </a:p>
         </p:txBody>
       </p:sp>
     </p:spTree>
     <p:extLst>
       <p:ext uri="{BB962C8B-B14F-4D97-AF65-F5344CB8AC3E}">
-        <p14:creationId xmlns:p14="http://schemas.microsoft.com/office/powerpoint/2010/main" val="3824207034"/>
+        <p14:creationId xmlns:p14="http://schemas.microsoft.com/office/powerpoint/2010/main" val="3714374258"/>
       </p:ext>
     </p:extLst>
   </p:cSld>
